--- a/Bloque IV. ML/IV.1. Introducción ML.pptx
+++ b/Bloque IV. ML/IV.1. Introducción ML.pptx
@@ -3597,7 +3597,7 @@
             <a:fld id="{B3E16CF3-8537-4774-A9FC-A2A5296655A0}" type="datetimeFigureOut">
               <a:rPr lang="es-ES" smtClean="0"/>
               <a:pPr/>
-              <a:t>16/06/2018</a:t>
+              <a:t>27/06/2018</a:t>
             </a:fld>
             <a:endParaRPr lang="es-ES"/>
           </a:p>
@@ -4050,7 +4050,7 @@
             <a:fld id="{7A847CFC-816F-41D0-AAC0-9BF4FEBC753E}" type="datetimeFigureOut">
               <a:rPr lang="es-ES" smtClean="0"/>
               <a:pPr/>
-              <a:t>16/06/2018</a:t>
+              <a:t>27/06/2018</a:t>
             </a:fld>
             <a:endParaRPr lang="es-ES"/>
           </a:p>
@@ -4217,7 +4217,7 @@
             <a:fld id="{7A847CFC-816F-41D0-AAC0-9BF4FEBC753E}" type="datetimeFigureOut">
               <a:rPr lang="es-ES" smtClean="0"/>
               <a:pPr/>
-              <a:t>16/06/2018</a:t>
+              <a:t>27/06/2018</a:t>
             </a:fld>
             <a:endParaRPr lang="es-ES"/>
           </a:p>
@@ -4394,7 +4394,7 @@
             <a:fld id="{7A847CFC-816F-41D0-AAC0-9BF4FEBC753E}" type="datetimeFigureOut">
               <a:rPr lang="es-ES" smtClean="0"/>
               <a:pPr/>
-              <a:t>16/06/2018</a:t>
+              <a:t>27/06/2018</a:t>
             </a:fld>
             <a:endParaRPr lang="es-ES"/>
           </a:p>
@@ -4561,7 +4561,7 @@
             <a:fld id="{7A847CFC-816F-41D0-AAC0-9BF4FEBC753E}" type="datetimeFigureOut">
               <a:rPr lang="es-ES" smtClean="0"/>
               <a:pPr/>
-              <a:t>16/06/2018</a:t>
+              <a:t>27/06/2018</a:t>
             </a:fld>
             <a:endParaRPr lang="es-ES"/>
           </a:p>
@@ -4804,7 +4804,7 @@
             <a:fld id="{7A847CFC-816F-41D0-AAC0-9BF4FEBC753E}" type="datetimeFigureOut">
               <a:rPr lang="es-ES" smtClean="0"/>
               <a:pPr/>
-              <a:t>16/06/2018</a:t>
+              <a:t>27/06/2018</a:t>
             </a:fld>
             <a:endParaRPr lang="es-ES"/>
           </a:p>
@@ -5089,7 +5089,7 @@
             <a:fld id="{7A847CFC-816F-41D0-AAC0-9BF4FEBC753E}" type="datetimeFigureOut">
               <a:rPr lang="es-ES" smtClean="0"/>
               <a:pPr/>
-              <a:t>16/06/2018</a:t>
+              <a:t>27/06/2018</a:t>
             </a:fld>
             <a:endParaRPr lang="es-ES"/>
           </a:p>
@@ -5508,7 +5508,7 @@
             <a:fld id="{7A847CFC-816F-41D0-AAC0-9BF4FEBC753E}" type="datetimeFigureOut">
               <a:rPr lang="es-ES" smtClean="0"/>
               <a:pPr/>
-              <a:t>16/06/2018</a:t>
+              <a:t>27/06/2018</a:t>
             </a:fld>
             <a:endParaRPr lang="es-ES"/>
           </a:p>
@@ -5623,7 +5623,7 @@
             <a:fld id="{7A847CFC-816F-41D0-AAC0-9BF4FEBC753E}" type="datetimeFigureOut">
               <a:rPr lang="es-ES" smtClean="0"/>
               <a:pPr/>
-              <a:t>16/06/2018</a:t>
+              <a:t>27/06/2018</a:t>
             </a:fld>
             <a:endParaRPr lang="es-ES"/>
           </a:p>
@@ -5715,7 +5715,7 @@
             <a:fld id="{7A847CFC-816F-41D0-AAC0-9BF4FEBC753E}" type="datetimeFigureOut">
               <a:rPr lang="es-ES" smtClean="0"/>
               <a:pPr/>
-              <a:t>16/06/2018</a:t>
+              <a:t>27/06/2018</a:t>
             </a:fld>
             <a:endParaRPr lang="es-ES"/>
           </a:p>
@@ -5989,7 +5989,7 @@
             <a:fld id="{7A847CFC-816F-41D0-AAC0-9BF4FEBC753E}" type="datetimeFigureOut">
               <a:rPr lang="es-ES" smtClean="0"/>
               <a:pPr/>
-              <a:t>16/06/2018</a:t>
+              <a:t>27/06/2018</a:t>
             </a:fld>
             <a:endParaRPr lang="es-ES"/>
           </a:p>
@@ -6239,7 +6239,7 @@
             <a:fld id="{7A847CFC-816F-41D0-AAC0-9BF4FEBC753E}" type="datetimeFigureOut">
               <a:rPr lang="es-ES" smtClean="0"/>
               <a:pPr/>
-              <a:t>16/06/2018</a:t>
+              <a:t>27/06/2018</a:t>
             </a:fld>
             <a:endParaRPr lang="es-ES"/>
           </a:p>
@@ -6449,7 +6449,7 @@
             <a:fld id="{7A847CFC-816F-41D0-AAC0-9BF4FEBC753E}" type="datetimeFigureOut">
               <a:rPr lang="es-ES" smtClean="0"/>
               <a:pPr/>
-              <a:t>16/06/2018</a:t>
+              <a:t>27/06/2018</a:t>
             </a:fld>
             <a:endParaRPr lang="es-ES"/>
           </a:p>
@@ -14689,88 +14689,51 @@
         <p:spPr/>
         <p:txBody>
           <a:bodyPr>
-            <a:normAutofit fontScale="77500" lnSpcReduction="20000"/>
+            <a:normAutofit/>
           </a:bodyPr>
           <a:lstStyle/>
           <a:p>
             <a:r>
               <a:rPr lang="es-ES" dirty="0" smtClean="0"/>
-              <a:t>Contexto: ML en IA</a:t>
-            </a:r>
-          </a:p>
-          <a:p>
-            <a:pPr lvl="1"/>
+              <a:t>¿Qué </a:t>
+            </a:r>
             <a:r>
               <a:rPr lang="es-ES" dirty="0" smtClean="0"/>
-              <a:t>Orígenes de IA</a:t>
-            </a:r>
-          </a:p>
-          <a:p>
-            <a:pPr lvl="1"/>
+              <a:t>es </a:t>
+            </a:r>
             <a:r>
               <a:rPr lang="es-ES" dirty="0" smtClean="0"/>
-              <a:t>Pasado, presente y futuro</a:t>
+              <a:t>Machine Learning?</a:t>
             </a:r>
           </a:p>
           <a:p>
             <a:r>
               <a:rPr lang="es-ES" dirty="0" smtClean="0"/>
-              <a:t>Qué es ML?</a:t>
-            </a:r>
+              <a:t>¿Qué es Aprender?</a:t>
+            </a:r>
+            <a:endParaRPr lang="es-ES" dirty="0" smtClean="0"/>
           </a:p>
           <a:p>
             <a:r>
               <a:rPr lang="es-ES" dirty="0" smtClean="0"/>
-              <a:t>ML </a:t>
+              <a:t>Formalización de ML</a:t>
+            </a:r>
+          </a:p>
+          <a:p>
+            <a:r>
+              <a:rPr lang="es-ES" dirty="0" smtClean="0"/>
+              <a:t>Clasificaciones de ML</a:t>
+            </a:r>
+            <a:endParaRPr lang="es-ES" dirty="0" smtClean="0"/>
+          </a:p>
+          <a:p>
+            <a:r>
+              <a:rPr lang="es-ES" dirty="0" smtClean="0"/>
+              <a:t>ML</a:t>
             </a:r>
             <a:r>
               <a:rPr lang="es-ES" dirty="0"/>
-              <a:t>como principal representante de la IA actual y </a:t>
-            </a:r>
-            <a:r>
-              <a:rPr lang="es-ES" dirty="0" smtClean="0"/>
-              <a:t>futura.</a:t>
-            </a:r>
-          </a:p>
-          <a:p>
-            <a:r>
-              <a:rPr lang="es-ES" dirty="0" smtClean="0"/>
-              <a:t>ML </a:t>
-            </a:r>
-            <a:r>
-              <a:rPr lang="es-ES" dirty="0"/>
-              <a:t>como sistema potenciado de análisis de datos y su relación con la estadística, pero con énfasis en la creación de modelos computacionales. </a:t>
-            </a:r>
-            <a:endParaRPr lang="es-ES" dirty="0" smtClean="0"/>
-          </a:p>
-          <a:p>
-            <a:r>
-              <a:rPr lang="es-ES" dirty="0" smtClean="0"/>
-              <a:t>Aprendizaje Supervisado / No Supervisado… y otras clasificaciones</a:t>
-            </a:r>
-          </a:p>
-          <a:p>
-            <a:r>
-              <a:rPr lang="es-ES" dirty="0" smtClean="0"/>
-              <a:t>ML como problema de Optimización. Errores, entrenamiento, test, validación, sobreajuste, </a:t>
-            </a:r>
-            <a:r>
-              <a:rPr lang="es-ES" dirty="0" err="1" smtClean="0"/>
-              <a:t>Bias</a:t>
-            </a:r>
-            <a:r>
-              <a:rPr lang="es-ES" dirty="0" smtClean="0"/>
-              <a:t>,… </a:t>
-            </a:r>
-          </a:p>
-          <a:p>
-            <a:r>
-              <a:rPr lang="es-ES" dirty="0" smtClean="0"/>
-              <a:t>Diferenciar</a:t>
-            </a:r>
-            <a:r>
-              <a:rPr lang="es-ES" dirty="0"/>
-              <a:t>: ML, </a:t>
+              <a:t>, </a:t>
             </a:r>
             <a:r>
               <a:rPr lang="es-ES" dirty="0" err="1"/>
@@ -14781,13 +14744,10 @@
               <a:t> y </a:t>
             </a:r>
             <a:r>
-              <a:rPr lang="es-ES" dirty="0" err="1"/>
+              <a:rPr lang="es-ES" dirty="0" err="1" smtClean="0"/>
               <a:t>DataMining</a:t>
             </a:r>
-            <a:r>
-              <a:rPr lang="es-ES" dirty="0" smtClean="0"/>
-              <a:t>.</a:t>
-            </a:r>
+            <a:endParaRPr lang="es-ES" dirty="0" smtClean="0"/>
           </a:p>
           <a:p>
             <a:r>
